--- a/name.pptx
+++ b/name.pptx
@@ -3087,7 +3087,7 @@
           <a:p>
             <a:r>
               <a:rPr lang="en-US"/>
-              <a:t>2017 10 28</a:t>
+              <a:t>2017 10 30</a:t>
             </a:r>
           </a:p>
         </p:txBody>
@@ -3203,7 +3203,7 @@
           <a:p>
             <a:r>
               <a:rPr lang="en-US"/>
-              <a:t>2017 10 28</a:t>
+              <a:t>2017 10 30</a:t>
             </a:r>
           </a:p>
         </p:txBody>
@@ -3239,7 +3239,7 @@
           <a:p>
             <a:r>
               <a:rPr lang="en-US"/>
-              <a:t>2017 10 28</a:t>
+              <a:t>2017 10 30</a:t>
             </a:r>
           </a:p>
         </p:txBody>
@@ -3487,7 +3487,7 @@
         </p:blipFill>
         <p:spPr>
           <a:xfrm>
-            <a:off x="292100" y="1691359"/>
+            <a:off x="4816909" y="3811067"/>
             <a:ext cx="4312556" cy="1742893"/>
           </a:xfrm>
           <a:prstGeom prst="rect">
@@ -3535,7 +3535,7 @@
         </p:blipFill>
         <p:spPr>
           <a:xfrm>
-            <a:off x="4816909" y="3811067"/>
+            <a:off x="4816909" y="1691359"/>
             <a:ext cx="4312556" cy="1742893"/>
           </a:xfrm>
           <a:prstGeom prst="rect">
@@ -3559,7 +3559,7 @@
         </p:blipFill>
         <p:spPr>
           <a:xfrm>
-            <a:off x="4816909" y="1691359"/>
+            <a:off x="292100" y="1691359"/>
             <a:ext cx="4312556" cy="1742893"/>
           </a:xfrm>
           <a:prstGeom prst="rect">

--- a/name.pptx
+++ b/name.pptx
@@ -3087,7 +3087,7 @@
           <a:p>
             <a:r>
               <a:rPr lang="en-US"/>
-              <a:t>2017 10 30</a:t>
+              <a:t>2017 11 21</a:t>
             </a:r>
           </a:p>
         </p:txBody>
@@ -3203,7 +3203,7 @@
           <a:p>
             <a:r>
               <a:rPr lang="en-US"/>
-              <a:t>2017 10 30</a:t>
+              <a:t>2017 11 21</a:t>
             </a:r>
           </a:p>
         </p:txBody>
@@ -3239,7 +3239,7 @@
           <a:p>
             <a:r>
               <a:rPr lang="en-US"/>
-              <a:t>2017 10 30</a:t>
+              <a:t>2017 11 21</a:t>
             </a:r>
           </a:p>
         </p:txBody>
@@ -3487,7 +3487,7 @@
         </p:blipFill>
         <p:spPr>
           <a:xfrm>
-            <a:off x="4816909" y="3811067"/>
+            <a:off x="292100" y="3817862"/>
             <a:ext cx="4312556" cy="1742893"/>
           </a:xfrm>
           <a:prstGeom prst="rect">
@@ -3511,7 +3511,7 @@
         </p:blipFill>
         <p:spPr>
           <a:xfrm>
-            <a:off x="292100" y="3817862"/>
+            <a:off x="4816909" y="3811067"/>
             <a:ext cx="4312556" cy="1742893"/>
           </a:xfrm>
           <a:prstGeom prst="rect">

--- a/name.pptx
+++ b/name.pptx
@@ -7,7 +7,6 @@
   <p:sldIdLst>
     <p:sldId id="256" r:id="rId6"/>
     <p:sldId id="257" r:id="rId7"/>
-    <p:sldId id="258" r:id="rId8"/>
   </p:sldIdLst>
   <p:sldSz cx="9144000" cy="6858000" type="screen4x3"/>
   <p:notesSz cx="6858000" cy="9144000"/>
@@ -3087,7 +3086,7 @@
           <a:p>
             <a:r>
               <a:rPr lang="en-US"/>
-              <a:t>2017 11 21</a:t>
+              <a:t>2017 11 28</a:t>
             </a:r>
           </a:p>
         </p:txBody>
@@ -3179,49 +3178,18 @@
       </p:grpSpPr>
       <p:sp>
         <p:nvSpPr>
-          <p:cNvPr id="11" name="Nadpis 1"/>
-          <p:cNvSpPr>
-            <a:spLocks noGrp="1"/>
-          </p:cNvSpPr>
-          <p:nvPr>
-            <p:ph hasCustomPrompt="1" type="title"/>
+          <p:cNvPr id="3" name="Text Placeholder 2"/>
+          <p:cNvSpPr>
+            <a:spLocks noGrp="1"/>
+          </p:cNvSpPr>
+          <p:nvPr>
+            <p:ph hasCustomPrompt="1" idx="15" sz="quarter" type="body"/>
           </p:nvPr>
         </p:nvSpPr>
         <p:spPr>
           <a:xfrm>
-            <a:off x="2576737" y="167682"/>
-            <a:ext cx="6552728" cy="909639"/>
-          </a:xfrm>
-        </p:spPr>
-        <p:txBody>
-          <a:bodyPr/>
-          <a:lstStyle>
-            <a:lvl1pPr>
-              <a:defRPr/>
-            </a:lvl1pPr>
-          </a:lstStyle>
-          <a:p>
-            <a:r>
-              <a:rPr lang="en-US"/>
-              <a:t>2017 11 21</a:t>
-            </a:r>
-          </a:p>
-        </p:txBody>
-      </p:sp>
-      <p:sp>
-        <p:nvSpPr>
-          <p:cNvPr id="6" name="Text Placeholder 2"/>
-          <p:cNvSpPr>
-            <a:spLocks noGrp="1"/>
-          </p:cNvSpPr>
-          <p:nvPr>
-            <p:ph hasCustomPrompt="1" idx="15" sz="quarter" type="body"/>
-          </p:nvPr>
-        </p:nvSpPr>
-        <p:spPr>
-          <a:xfrm>
-            <a:off x="292099" y="1317625"/>
-            <a:ext cx="8837365" cy="369888"/>
+            <a:off x="292100" y="1317625"/>
+            <a:ext cx="4313238" cy="369888"/>
           </a:xfrm>
         </p:spPr>
         <p:txBody>
@@ -3237,16 +3205,158 @@
             </a:lvl1pPr>
           </a:lstStyle>
           <a:p>
-            <a:r>
-              <a:rPr lang="en-US"/>
-              <a:t>2017 11 21</a:t>
+            <a:pPr lvl="0"/>
+            <a:r>
+              <a:rPr dirty="0" lang="en-US" smtClean="0"/>
+              <a:t>Title 1</a:t>
+            </a:r>
+            <a:endParaRPr dirty="0" lang="en-US"/>
+          </a:p>
+        </p:txBody>
+      </p:sp>
+      <p:sp>
+        <p:nvSpPr>
+          <p:cNvPr id="11" name="Nadpis 1"/>
+          <p:cNvSpPr>
+            <a:spLocks noGrp="1"/>
+          </p:cNvSpPr>
+          <p:nvPr>
+            <p:ph hasCustomPrompt="1" type="title"/>
+          </p:nvPr>
+        </p:nvSpPr>
+        <p:spPr>
+          <a:xfrm>
+            <a:off x="2576737" y="167682"/>
+            <a:ext cx="6552728" cy="909639"/>
+          </a:xfrm>
+        </p:spPr>
+        <p:txBody>
+          <a:bodyPr/>
+          <a:lstStyle/>
+          <a:p>
+            <a:r>
+              <a:rPr dirty="0" lang="en-US" smtClean="0"/>
+              <a:t>Master Title</a:t>
+            </a:r>
+            <a:endParaRPr dirty="0" lang="cs-CZ"/>
+          </a:p>
+        </p:txBody>
+      </p:sp>
+      <p:sp>
+        <p:nvSpPr>
+          <p:cNvPr id="22" name="Text Placeholder 2"/>
+          <p:cNvSpPr>
+            <a:spLocks noGrp="1"/>
+          </p:cNvSpPr>
+          <p:nvPr>
+            <p:ph hasCustomPrompt="1" idx="16" sz="quarter" type="body"/>
+          </p:nvPr>
+        </p:nvSpPr>
+        <p:spPr>
+          <a:xfrm>
+            <a:off x="4816227" y="1314544"/>
+            <a:ext cx="4313238" cy="369888"/>
+          </a:xfrm>
+        </p:spPr>
+        <p:txBody>
+          <a:bodyPr/>
+          <a:lstStyle>
+            <a:lvl1pPr indent="0" marL="0">
+              <a:buNone/>
+              <a:defRPr b="0" sz="1800" u="none">
+                <a:solidFill>
+                  <a:schemeClr val="tx1"/>
+                </a:solidFill>
+              </a:defRPr>
+            </a:lvl1pPr>
+          </a:lstStyle>
+          <a:p>
+            <a:pPr lvl="0"/>
+            <a:r>
+              <a:rPr dirty="0" lang="en-US" smtClean="0"/>
+              <a:t>Title 2</a:t>
+            </a:r>
+            <a:endParaRPr dirty="0" lang="en-US"/>
+          </a:p>
+        </p:txBody>
+      </p:sp>
+      <p:sp>
+        <p:nvSpPr>
+          <p:cNvPr id="23" name="Text Placeholder 2"/>
+          <p:cNvSpPr>
+            <a:spLocks noGrp="1"/>
+          </p:cNvSpPr>
+          <p:nvPr>
+            <p:ph hasCustomPrompt="1" idx="17" sz="quarter" type="body"/>
+          </p:nvPr>
+        </p:nvSpPr>
+        <p:spPr>
+          <a:xfrm>
+            <a:off x="292100" y="3450393"/>
+            <a:ext cx="4313238" cy="369888"/>
+          </a:xfrm>
+        </p:spPr>
+        <p:txBody>
+          <a:bodyPr/>
+          <a:lstStyle>
+            <a:lvl1pPr indent="0" marL="0">
+              <a:buNone/>
+              <a:defRPr b="0" sz="1800" u="none">
+                <a:solidFill>
+                  <a:schemeClr val="tx1"/>
+                </a:solidFill>
+              </a:defRPr>
+            </a:lvl1pPr>
+          </a:lstStyle>
+          <a:p>
+            <a:pPr lvl="0"/>
+            <a:r>
+              <a:rPr dirty="0" lang="en-US" smtClean="0"/>
+              <a:t>Title 3</a:t>
+            </a:r>
+          </a:p>
+        </p:txBody>
+      </p:sp>
+      <p:sp>
+        <p:nvSpPr>
+          <p:cNvPr id="24" name="Text Placeholder 2"/>
+          <p:cNvSpPr>
+            <a:spLocks noGrp="1"/>
+          </p:cNvSpPr>
+          <p:nvPr>
+            <p:ph hasCustomPrompt="1" idx="18" sz="quarter" type="body"/>
+          </p:nvPr>
+        </p:nvSpPr>
+        <p:spPr>
+          <a:xfrm>
+            <a:off x="4816909" y="3447974"/>
+            <a:ext cx="4313238" cy="369888"/>
+          </a:xfrm>
+        </p:spPr>
+        <p:txBody>
+          <a:bodyPr/>
+          <a:lstStyle>
+            <a:lvl1pPr indent="0" marL="0">
+              <a:buNone/>
+              <a:defRPr b="0" sz="1800" u="none">
+                <a:solidFill>
+                  <a:schemeClr val="tx1"/>
+                </a:solidFill>
+              </a:defRPr>
+            </a:lvl1pPr>
+          </a:lstStyle>
+          <a:p>
+            <a:pPr lvl="0"/>
+            <a:r>
+              <a:rPr dirty="0" lang="en-US" smtClean="0"/>
+              <a:t>Title 4</a:t>
             </a:r>
           </a:p>
         </p:txBody>
       </p:sp>
       <p:pic>
         <p:nvPicPr>
-          <p:cNvPr name="Picture 11" id="12"/>
+          <p:cNvPr name="Picture 24" id="25"/>
           <p:cNvPicPr>
             <a:picLocks noChangeAspect="true"/>
           </p:cNvPicPr>
@@ -3260,220 +3370,41 @@
         </p:blipFill>
         <p:spPr>
           <a:xfrm>
-            <a:off x="292100" y="1687513"/>
-            <a:ext cx="8837365" cy="4710112"/>
+            <a:off x="4816909" y="1691359"/>
+            <a:ext cx="4312556" cy="1742893"/>
           </a:xfrm>
           <a:prstGeom prst="rect">
             <a:avLst/>
           </a:prstGeom>
         </p:spPr>
       </p:pic>
-    </p:spTree>
-  </p:cSld>
-  <p:clrMapOvr>
-    <a:masterClrMapping/>
-  </p:clrMapOvr>
-</p:sld>
-</file>
-
-<file path=ppt/slides/slide3.xml><?xml version="1.0" encoding="utf-8"?>
-<p:sld xmlns:p="http://schemas.openxmlformats.org/presentationml/2006/main" xmlns:a="http://schemas.openxmlformats.org/drawingml/2006/main" xmlns:r="http://schemas.openxmlformats.org/officeDocument/2006/relationships">
-  <p:cSld>
-    <p:spTree>
-      <p:nvGrpSpPr>
-        <p:cNvPr id="1" name=""/>
-        <p:cNvGrpSpPr/>
-        <p:nvPr/>
-      </p:nvGrpSpPr>
-      <p:grpSpPr>
-        <a:xfrm>
-          <a:off x="0" y="0"/>
-          <a:ext cx="0" cy="0"/>
-          <a:chOff x="0" y="0"/>
-          <a:chExt cx="0" cy="0"/>
-        </a:xfrm>
-      </p:grpSpPr>
-      <p:sp>
-        <p:nvSpPr>
-          <p:cNvPr id="3" name="Text Placeholder 2"/>
-          <p:cNvSpPr>
-            <a:spLocks noGrp="1"/>
-          </p:cNvSpPr>
-          <p:nvPr>
-            <p:ph hasCustomPrompt="1" idx="15" sz="quarter" type="body"/>
-          </p:nvPr>
-        </p:nvSpPr>
+      <p:pic>
+        <p:nvPicPr>
+          <p:cNvPr name="Picture 25" id="26"/>
+          <p:cNvPicPr>
+            <a:picLocks noChangeAspect="true"/>
+          </p:cNvPicPr>
+          <p:nvPr/>
+        </p:nvPicPr>
+        <p:blipFill>
+          <a:blip r:embed="rId2"/>
+          <a:stretch>
+            <a:fillRect/>
+          </a:stretch>
+        </p:blipFill>
         <p:spPr>
           <a:xfrm>
-            <a:off x="292100" y="1317625"/>
-            <a:ext cx="4313238" cy="369888"/>
+            <a:off x="292100" y="1691359"/>
+            <a:ext cx="4312556" cy="1742893"/>
           </a:xfrm>
+          <a:prstGeom prst="rect">
+            <a:avLst/>
+          </a:prstGeom>
         </p:spPr>
-        <p:txBody>
-          <a:bodyPr/>
-          <a:lstStyle>
-            <a:lvl1pPr indent="0" marL="0">
-              <a:buNone/>
-              <a:defRPr b="0" sz="1800" u="none">
-                <a:solidFill>
-                  <a:schemeClr val="tx1"/>
-                </a:solidFill>
-              </a:defRPr>
-            </a:lvl1pPr>
-          </a:lstStyle>
-          <a:p>
-            <a:pPr lvl="0"/>
-            <a:r>
-              <a:rPr dirty="0" lang="en-US" smtClean="0"/>
-              <a:t>Title 1</a:t>
-            </a:r>
-            <a:endParaRPr dirty="0" lang="en-US"/>
-          </a:p>
-        </p:txBody>
-      </p:sp>
-      <p:sp>
-        <p:nvSpPr>
-          <p:cNvPr id="11" name="Nadpis 1"/>
-          <p:cNvSpPr>
-            <a:spLocks noGrp="1"/>
-          </p:cNvSpPr>
-          <p:nvPr>
-            <p:ph hasCustomPrompt="1" type="title"/>
-          </p:nvPr>
-        </p:nvSpPr>
-        <p:spPr>
-          <a:xfrm>
-            <a:off x="2576737" y="167682"/>
-            <a:ext cx="6552728" cy="909639"/>
-          </a:xfrm>
-        </p:spPr>
-        <p:txBody>
-          <a:bodyPr/>
-          <a:lstStyle/>
-          <a:p>
-            <a:r>
-              <a:rPr dirty="0" lang="en-US" smtClean="0"/>
-              <a:t>Master Title</a:t>
-            </a:r>
-            <a:endParaRPr dirty="0" lang="cs-CZ"/>
-          </a:p>
-        </p:txBody>
-      </p:sp>
-      <p:sp>
-        <p:nvSpPr>
-          <p:cNvPr id="22" name="Text Placeholder 2"/>
-          <p:cNvSpPr>
-            <a:spLocks noGrp="1"/>
-          </p:cNvSpPr>
-          <p:nvPr>
-            <p:ph hasCustomPrompt="1" idx="16" sz="quarter" type="body"/>
-          </p:nvPr>
-        </p:nvSpPr>
-        <p:spPr>
-          <a:xfrm>
-            <a:off x="4816227" y="1314544"/>
-            <a:ext cx="4313238" cy="369888"/>
-          </a:xfrm>
-        </p:spPr>
-        <p:txBody>
-          <a:bodyPr/>
-          <a:lstStyle>
-            <a:lvl1pPr indent="0" marL="0">
-              <a:buNone/>
-              <a:defRPr b="0" sz="1800" u="none">
-                <a:solidFill>
-                  <a:schemeClr val="tx1"/>
-                </a:solidFill>
-              </a:defRPr>
-            </a:lvl1pPr>
-          </a:lstStyle>
-          <a:p>
-            <a:pPr lvl="0"/>
-            <a:r>
-              <a:rPr dirty="0" lang="en-US" smtClean="0"/>
-              <a:t>Title 2</a:t>
-            </a:r>
-            <a:endParaRPr dirty="0" lang="en-US"/>
-          </a:p>
-        </p:txBody>
-      </p:sp>
-      <p:sp>
-        <p:nvSpPr>
-          <p:cNvPr id="23" name="Text Placeholder 2"/>
-          <p:cNvSpPr>
-            <a:spLocks noGrp="1"/>
-          </p:cNvSpPr>
-          <p:nvPr>
-            <p:ph hasCustomPrompt="1" idx="17" sz="quarter" type="body"/>
-          </p:nvPr>
-        </p:nvSpPr>
-        <p:spPr>
-          <a:xfrm>
-            <a:off x="292100" y="3450393"/>
-            <a:ext cx="4313238" cy="369888"/>
-          </a:xfrm>
-        </p:spPr>
-        <p:txBody>
-          <a:bodyPr/>
-          <a:lstStyle>
-            <a:lvl1pPr indent="0" marL="0">
-              <a:buNone/>
-              <a:defRPr b="0" sz="1800" u="none">
-                <a:solidFill>
-                  <a:schemeClr val="tx1"/>
-                </a:solidFill>
-              </a:defRPr>
-            </a:lvl1pPr>
-          </a:lstStyle>
-          <a:p>
-            <a:pPr lvl="0"/>
-            <a:r>
-              <a:rPr dirty="0" lang="en-US" smtClean="0"/>
-              <a:t>Title 3</a:t>
-            </a:r>
-          </a:p>
-        </p:txBody>
-      </p:sp>
-      <p:sp>
-        <p:nvSpPr>
-          <p:cNvPr id="24" name="Text Placeholder 2"/>
-          <p:cNvSpPr>
-            <a:spLocks noGrp="1"/>
-          </p:cNvSpPr>
-          <p:nvPr>
-            <p:ph hasCustomPrompt="1" idx="18" sz="quarter" type="body"/>
-          </p:nvPr>
-        </p:nvSpPr>
-        <p:spPr>
-          <a:xfrm>
-            <a:off x="4816909" y="3447974"/>
-            <a:ext cx="4313238" cy="369888"/>
-          </a:xfrm>
-        </p:spPr>
-        <p:txBody>
-          <a:bodyPr/>
-          <a:lstStyle>
-            <a:lvl1pPr indent="0" marL="0">
-              <a:buNone/>
-              <a:defRPr b="0" sz="1800" u="none">
-                <a:solidFill>
-                  <a:schemeClr val="tx1"/>
-                </a:solidFill>
-              </a:defRPr>
-            </a:lvl1pPr>
-          </a:lstStyle>
-          <a:p>
-            <a:pPr lvl="0"/>
-            <a:r>
-              <a:rPr dirty="0" lang="en-US" smtClean="0"/>
-              <a:t>Title 4</a:t>
-            </a:r>
-          </a:p>
-        </p:txBody>
-      </p:sp>
+      </p:pic>
       <p:pic>
         <p:nvPicPr>
-          <p:cNvPr name="Picture 24" id="25"/>
+          <p:cNvPr name="Picture 26" id="27"/>
           <p:cNvPicPr>
             <a:picLocks noChangeAspect="true"/>
           </p:cNvPicPr>
@@ -3497,7 +3428,7 @@
       </p:pic>
       <p:pic>
         <p:nvPicPr>
-          <p:cNvPr name="Picture 25" id="26"/>
+          <p:cNvPr name="Picture 27" id="28"/>
           <p:cNvPicPr>
             <a:picLocks noChangeAspect="true"/>
           </p:cNvPicPr>
@@ -3512,54 +3443,6 @@
         <p:spPr>
           <a:xfrm>
             <a:off x="4816909" y="3811067"/>
-            <a:ext cx="4312556" cy="1742893"/>
-          </a:xfrm>
-          <a:prstGeom prst="rect">
-            <a:avLst/>
-          </a:prstGeom>
-        </p:spPr>
-      </p:pic>
-      <p:pic>
-        <p:nvPicPr>
-          <p:cNvPr name="Picture 26" id="27"/>
-          <p:cNvPicPr>
-            <a:picLocks noChangeAspect="true"/>
-          </p:cNvPicPr>
-          <p:nvPr/>
-        </p:nvPicPr>
-        <p:blipFill>
-          <a:blip r:embed="rId2"/>
-          <a:stretch>
-            <a:fillRect/>
-          </a:stretch>
-        </p:blipFill>
-        <p:spPr>
-          <a:xfrm>
-            <a:off x="4816909" y="1691359"/>
-            <a:ext cx="4312556" cy="1742893"/>
-          </a:xfrm>
-          <a:prstGeom prst="rect">
-            <a:avLst/>
-          </a:prstGeom>
-        </p:spPr>
-      </p:pic>
-      <p:pic>
-        <p:nvPicPr>
-          <p:cNvPr name="Picture 27" id="28"/>
-          <p:cNvPicPr>
-            <a:picLocks noChangeAspect="true"/>
-          </p:cNvPicPr>
-          <p:nvPr/>
-        </p:nvPicPr>
-        <p:blipFill>
-          <a:blip r:embed="rId2"/>
-          <a:stretch>
-            <a:fillRect/>
-          </a:stretch>
-        </p:blipFill>
-        <p:spPr>
-          <a:xfrm>
-            <a:off x="292100" y="1691359"/>
             <a:ext cx="4312556" cy="1742893"/>
           </a:xfrm>
           <a:prstGeom prst="rect">

--- a/name.pptx
+++ b/name.pptx
@@ -6,7 +6,6 @@
   </p:sldMasterIdLst>
   <p:sldIdLst>
     <p:sldId id="256" r:id="rId6"/>
-    <p:sldId id="257" r:id="rId7"/>
   </p:sldIdLst>
   <p:sldSz cx="9144000" cy="6858000" type="screen4x3"/>
   <p:notesSz cx="6858000" cy="9144000"/>
@@ -3044,7 +3043,7 @@
 </file>
 
 <file path=ppt/slides/slide1.xml><?xml version="1.0" encoding="utf-8"?>
-<p:sld xmlns:p="http://schemas.openxmlformats.org/presentationml/2006/main" xmlns:a="http://schemas.openxmlformats.org/drawingml/2006/main" xmlns:r="http://schemas.openxmlformats.org/officeDocument/2006/relationships">
+<p:sld xmlns:p="http://schemas.openxmlformats.org/presentationml/2006/main" xmlns:a="http://schemas.openxmlformats.org/drawingml/2006/main">
   <p:cSld>
     <p:spTree>
       <p:nvGrpSpPr>
@@ -3060,7 +3059,42 @@
           <a:chExt cx="0" cy="0"/>
         </a:xfrm>
       </p:grpSpPr>
-      <p:sp>
+      <p:sp xmlns:r="http://schemas.openxmlformats.org/officeDocument/2006/relationships">
+        <p:nvSpPr>
+          <p:cNvPr id="10" name="Zástupný symbol pro obsah 2"/>
+          <p:cNvSpPr>
+            <a:spLocks noGrp="1"/>
+          </p:cNvSpPr>
+          <p:nvPr>
+            <p:ph hasCustomPrompt="1" idx="10"/>
+          </p:nvPr>
+        </p:nvSpPr>
+        <p:spPr>
+          <a:xfrm>
+            <a:off x="292100" y="1687513"/>
+            <a:ext cx="8837365" cy="4710112"/>
+          </a:xfrm>
+        </p:spPr>
+        <p:txBody>
+          <a:bodyPr/>
+          <a:lstStyle>
+            <a:lvl1pPr indent="0" marL="0">
+              <a:buFont charset="0" pitchFamily="34" typeface="Arial"/>
+              <a:buNone/>
+              <a:defRPr baseline="0"/>
+            </a:lvl1pPr>
+          </a:lstStyle>
+          <a:p>
+            <a:pPr lvl="0"/>
+            <a:r>
+              <a:rPr dirty="0" lang="en-US" smtClean="0"/>
+              <a:t>Graph 1</a:t>
+            </a:r>
+            <a:endParaRPr dirty="0" lang="cs-CZ"/>
+          </a:p>
+        </p:txBody>
+      </p:sp>
+      <p:sp xmlns:r="http://schemas.openxmlformats.org/officeDocument/2006/relationships">
         <p:nvSpPr>
           <p:cNvPr id="11" name="Nadpis 1"/>
           <p:cNvSpPr>
@@ -3085,13 +3119,14 @@
           </a:lstStyle>
           <a:p>
             <a:r>
-              <a:rPr lang="en-US"/>
-              <a:t>2017 11 28</a:t>
-            </a:r>
-          </a:p>
-        </p:txBody>
-      </p:sp>
-      <p:sp>
+              <a:rPr dirty="0" lang="en-US" smtClean="0"/>
+              <a:t>Master Title</a:t>
+            </a:r>
+            <a:endParaRPr dirty="0" lang="cs-CZ"/>
+          </a:p>
+        </p:txBody>
+      </p:sp>
+      <p:sp xmlns:r="http://schemas.openxmlformats.org/officeDocument/2006/relationships">
         <p:nvSpPr>
           <p:cNvPr id="6" name="Text Placeholder 2"/>
           <p:cNvSpPr>
@@ -3120,91 +3155,6 @@
             </a:lvl1pPr>
           </a:lstStyle>
           <a:p>
-            <a:r>
-              <a:rPr lang="en-US"/>
-              <a:t>Koruna</a:t>
-            </a:r>
-          </a:p>
-        </p:txBody>
-      </p:sp>
-      <p:pic>
-        <p:nvPicPr>
-          <p:cNvPr name="Picture 11" id="12"/>
-          <p:cNvPicPr>
-            <a:picLocks noChangeAspect="true"/>
-          </p:cNvPicPr>
-          <p:nvPr/>
-        </p:nvPicPr>
-        <p:blipFill>
-          <a:blip r:embed="rId2"/>
-          <a:stretch>
-            <a:fillRect/>
-          </a:stretch>
-        </p:blipFill>
-        <p:spPr>
-          <a:xfrm>
-            <a:off x="292100" y="1687513"/>
-            <a:ext cx="8837365" cy="4710112"/>
-          </a:xfrm>
-          <a:prstGeom prst="rect">
-            <a:avLst/>
-          </a:prstGeom>
-        </p:spPr>
-      </p:pic>
-    </p:spTree>
-  </p:cSld>
-  <p:clrMapOvr>
-    <a:masterClrMapping/>
-  </p:clrMapOvr>
-</p:sld>
-</file>
-
-<file path=ppt/slides/slide2.xml><?xml version="1.0" encoding="utf-8"?>
-<p:sld xmlns:p="http://schemas.openxmlformats.org/presentationml/2006/main" xmlns:a="http://schemas.openxmlformats.org/drawingml/2006/main" xmlns:r="http://schemas.openxmlformats.org/officeDocument/2006/relationships">
-  <p:cSld>
-    <p:spTree>
-      <p:nvGrpSpPr>
-        <p:cNvPr id="1" name=""/>
-        <p:cNvGrpSpPr/>
-        <p:nvPr/>
-      </p:nvGrpSpPr>
-      <p:grpSpPr>
-        <a:xfrm>
-          <a:off x="0" y="0"/>
-          <a:ext cx="0" cy="0"/>
-          <a:chOff x="0" y="0"/>
-          <a:chExt cx="0" cy="0"/>
-        </a:xfrm>
-      </p:grpSpPr>
-      <p:sp>
-        <p:nvSpPr>
-          <p:cNvPr id="3" name="Text Placeholder 2"/>
-          <p:cNvSpPr>
-            <a:spLocks noGrp="1"/>
-          </p:cNvSpPr>
-          <p:nvPr>
-            <p:ph hasCustomPrompt="1" idx="15" sz="quarter" type="body"/>
-          </p:nvPr>
-        </p:nvSpPr>
-        <p:spPr>
-          <a:xfrm>
-            <a:off x="292100" y="1317625"/>
-            <a:ext cx="4313238" cy="369888"/>
-          </a:xfrm>
-        </p:spPr>
-        <p:txBody>
-          <a:bodyPr/>
-          <a:lstStyle>
-            <a:lvl1pPr indent="0" marL="0">
-              <a:buNone/>
-              <a:defRPr b="0" sz="1800" u="none">
-                <a:solidFill>
-                  <a:schemeClr val="tx1"/>
-                </a:solidFill>
-              </a:defRPr>
-            </a:lvl1pPr>
-          </a:lstStyle>
-          <a:p>
             <a:pPr lvl="0"/>
             <a:r>
               <a:rPr dirty="0" lang="en-US" smtClean="0"/>
@@ -3214,242 +3164,6 @@
           </a:p>
         </p:txBody>
       </p:sp>
-      <p:sp>
-        <p:nvSpPr>
-          <p:cNvPr id="11" name="Nadpis 1"/>
-          <p:cNvSpPr>
-            <a:spLocks noGrp="1"/>
-          </p:cNvSpPr>
-          <p:nvPr>
-            <p:ph hasCustomPrompt="1" type="title"/>
-          </p:nvPr>
-        </p:nvSpPr>
-        <p:spPr>
-          <a:xfrm>
-            <a:off x="2576737" y="167682"/>
-            <a:ext cx="6552728" cy="909639"/>
-          </a:xfrm>
-        </p:spPr>
-        <p:txBody>
-          <a:bodyPr/>
-          <a:lstStyle/>
-          <a:p>
-            <a:r>
-              <a:rPr dirty="0" lang="en-US" smtClean="0"/>
-              <a:t>Master Title</a:t>
-            </a:r>
-            <a:endParaRPr dirty="0" lang="cs-CZ"/>
-          </a:p>
-        </p:txBody>
-      </p:sp>
-      <p:sp>
-        <p:nvSpPr>
-          <p:cNvPr id="22" name="Text Placeholder 2"/>
-          <p:cNvSpPr>
-            <a:spLocks noGrp="1"/>
-          </p:cNvSpPr>
-          <p:nvPr>
-            <p:ph hasCustomPrompt="1" idx="16" sz="quarter" type="body"/>
-          </p:nvPr>
-        </p:nvSpPr>
-        <p:spPr>
-          <a:xfrm>
-            <a:off x="4816227" y="1314544"/>
-            <a:ext cx="4313238" cy="369888"/>
-          </a:xfrm>
-        </p:spPr>
-        <p:txBody>
-          <a:bodyPr/>
-          <a:lstStyle>
-            <a:lvl1pPr indent="0" marL="0">
-              <a:buNone/>
-              <a:defRPr b="0" sz="1800" u="none">
-                <a:solidFill>
-                  <a:schemeClr val="tx1"/>
-                </a:solidFill>
-              </a:defRPr>
-            </a:lvl1pPr>
-          </a:lstStyle>
-          <a:p>
-            <a:pPr lvl="0"/>
-            <a:r>
-              <a:rPr dirty="0" lang="en-US" smtClean="0"/>
-              <a:t>Title 2</a:t>
-            </a:r>
-            <a:endParaRPr dirty="0" lang="en-US"/>
-          </a:p>
-        </p:txBody>
-      </p:sp>
-      <p:sp>
-        <p:nvSpPr>
-          <p:cNvPr id="23" name="Text Placeholder 2"/>
-          <p:cNvSpPr>
-            <a:spLocks noGrp="1"/>
-          </p:cNvSpPr>
-          <p:nvPr>
-            <p:ph hasCustomPrompt="1" idx="17" sz="quarter" type="body"/>
-          </p:nvPr>
-        </p:nvSpPr>
-        <p:spPr>
-          <a:xfrm>
-            <a:off x="292100" y="3450393"/>
-            <a:ext cx="4313238" cy="369888"/>
-          </a:xfrm>
-        </p:spPr>
-        <p:txBody>
-          <a:bodyPr/>
-          <a:lstStyle>
-            <a:lvl1pPr indent="0" marL="0">
-              <a:buNone/>
-              <a:defRPr b="0" sz="1800" u="none">
-                <a:solidFill>
-                  <a:schemeClr val="tx1"/>
-                </a:solidFill>
-              </a:defRPr>
-            </a:lvl1pPr>
-          </a:lstStyle>
-          <a:p>
-            <a:pPr lvl="0"/>
-            <a:r>
-              <a:rPr dirty="0" lang="en-US" smtClean="0"/>
-              <a:t>Title 3</a:t>
-            </a:r>
-          </a:p>
-        </p:txBody>
-      </p:sp>
-      <p:sp>
-        <p:nvSpPr>
-          <p:cNvPr id="24" name="Text Placeholder 2"/>
-          <p:cNvSpPr>
-            <a:spLocks noGrp="1"/>
-          </p:cNvSpPr>
-          <p:nvPr>
-            <p:ph hasCustomPrompt="1" idx="18" sz="quarter" type="body"/>
-          </p:nvPr>
-        </p:nvSpPr>
-        <p:spPr>
-          <a:xfrm>
-            <a:off x="4816909" y="3447974"/>
-            <a:ext cx="4313238" cy="369888"/>
-          </a:xfrm>
-        </p:spPr>
-        <p:txBody>
-          <a:bodyPr/>
-          <a:lstStyle>
-            <a:lvl1pPr indent="0" marL="0">
-              <a:buNone/>
-              <a:defRPr b="0" sz="1800" u="none">
-                <a:solidFill>
-                  <a:schemeClr val="tx1"/>
-                </a:solidFill>
-              </a:defRPr>
-            </a:lvl1pPr>
-          </a:lstStyle>
-          <a:p>
-            <a:pPr lvl="0"/>
-            <a:r>
-              <a:rPr dirty="0" lang="en-US" smtClean="0"/>
-              <a:t>Title 4</a:t>
-            </a:r>
-          </a:p>
-        </p:txBody>
-      </p:sp>
-      <p:pic>
-        <p:nvPicPr>
-          <p:cNvPr name="Picture 24" id="25"/>
-          <p:cNvPicPr>
-            <a:picLocks noChangeAspect="true"/>
-          </p:cNvPicPr>
-          <p:nvPr/>
-        </p:nvPicPr>
-        <p:blipFill>
-          <a:blip r:embed="rId2"/>
-          <a:stretch>
-            <a:fillRect/>
-          </a:stretch>
-        </p:blipFill>
-        <p:spPr>
-          <a:xfrm>
-            <a:off x="4816909" y="1691359"/>
-            <a:ext cx="4312556" cy="1742893"/>
-          </a:xfrm>
-          <a:prstGeom prst="rect">
-            <a:avLst/>
-          </a:prstGeom>
-        </p:spPr>
-      </p:pic>
-      <p:pic>
-        <p:nvPicPr>
-          <p:cNvPr name="Picture 25" id="26"/>
-          <p:cNvPicPr>
-            <a:picLocks noChangeAspect="true"/>
-          </p:cNvPicPr>
-          <p:nvPr/>
-        </p:nvPicPr>
-        <p:blipFill>
-          <a:blip r:embed="rId2"/>
-          <a:stretch>
-            <a:fillRect/>
-          </a:stretch>
-        </p:blipFill>
-        <p:spPr>
-          <a:xfrm>
-            <a:off x="292100" y="1691359"/>
-            <a:ext cx="4312556" cy="1742893"/>
-          </a:xfrm>
-          <a:prstGeom prst="rect">
-            <a:avLst/>
-          </a:prstGeom>
-        </p:spPr>
-      </p:pic>
-      <p:pic>
-        <p:nvPicPr>
-          <p:cNvPr name="Picture 26" id="27"/>
-          <p:cNvPicPr>
-            <a:picLocks noChangeAspect="true"/>
-          </p:cNvPicPr>
-          <p:nvPr/>
-        </p:nvPicPr>
-        <p:blipFill>
-          <a:blip r:embed="rId2"/>
-          <a:stretch>
-            <a:fillRect/>
-          </a:stretch>
-        </p:blipFill>
-        <p:spPr>
-          <a:xfrm>
-            <a:off x="292100" y="3817862"/>
-            <a:ext cx="4312556" cy="1742893"/>
-          </a:xfrm>
-          <a:prstGeom prst="rect">
-            <a:avLst/>
-          </a:prstGeom>
-        </p:spPr>
-      </p:pic>
-      <p:pic>
-        <p:nvPicPr>
-          <p:cNvPr name="Picture 27" id="28"/>
-          <p:cNvPicPr>
-            <a:picLocks noChangeAspect="true"/>
-          </p:cNvPicPr>
-          <p:nvPr/>
-        </p:nvPicPr>
-        <p:blipFill>
-          <a:blip r:embed="rId2"/>
-          <a:stretch>
-            <a:fillRect/>
-          </a:stretch>
-        </p:blipFill>
-        <p:spPr>
-          <a:xfrm>
-            <a:off x="4816909" y="3811067"/>
-            <a:ext cx="4312556" cy="1742893"/>
-          </a:xfrm>
-          <a:prstGeom prst="rect">
-            <a:avLst/>
-          </a:prstGeom>
-        </p:spPr>
-      </p:pic>
     </p:spTree>
   </p:cSld>
   <p:clrMapOvr>

--- a/name.pptx
+++ b/name.pptx
@@ -3061,106 +3061,88 @@
       </p:grpSpPr>
       <p:sp xmlns:r="http://schemas.openxmlformats.org/officeDocument/2006/relationships">
         <p:nvSpPr>
-          <p:cNvPr id="10" name="Zástupný symbol pro obsah 2"/>
-          <p:cNvSpPr>
-            <a:spLocks noGrp="1"/>
-          </p:cNvSpPr>
-          <p:nvPr>
-            <p:ph hasCustomPrompt="1" idx="10"/>
-          </p:nvPr>
-        </p:nvSpPr>
-        <p:spPr>
-          <a:xfrm>
-            <a:off x="292100" y="1687513"/>
-            <a:ext cx="8837365" cy="4710112"/>
-          </a:xfrm>
-        </p:spPr>
-        <p:txBody>
-          <a:bodyPr/>
-          <a:lstStyle>
-            <a:lvl1pPr indent="0" marL="0">
-              <a:buFont charset="0" pitchFamily="34" typeface="Arial"/>
-              <a:buNone/>
-              <a:defRPr baseline="0"/>
-            </a:lvl1pPr>
-          </a:lstStyle>
+          <p:cNvPr id="2" name="Title 1">
+            <a:extLst>
+              <a:ext uri="{FF2B5EF4-FFF2-40B4-BE49-F238E27FC236}">
+                <a16:creationId xmlns:a16="http://schemas.microsoft.com/office/drawing/2014/main" id="{D9BC5DC7-4F5D-4F84-BD10-E78B3EB5262B}"/>
+              </a:ext>
+            </a:extLst>
+          </p:cNvPr>
+          <p:cNvSpPr>
+            <a:spLocks noGrp="1"/>
+          </p:cNvSpPr>
+          <p:nvPr>
+            <p:ph type="title"/>
+          </p:nvPr>
+        </p:nvSpPr>
+        <p:spPr/>
+        <p:txBody>
+          <a:bodyPr/>
+          <a:lstStyle/>
+          <a:p>
+            <a:r>
+              <a:rPr lang="en-US"/>
+              <a:t>Click to edit Master title style</a:t>
+            </a:r>
+            <a:endParaRPr lang="sk-SK"/>
+          </a:p>
+        </p:txBody>
+      </p:sp>
+      <p:sp xmlns:r="http://schemas.openxmlformats.org/officeDocument/2006/relationships">
+        <p:nvSpPr>
+          <p:cNvPr id="3" name="Content Placeholder 2">
+            <a:extLst>
+              <a:ext uri="{FF2B5EF4-FFF2-40B4-BE49-F238E27FC236}">
+                <a16:creationId xmlns:a16="http://schemas.microsoft.com/office/drawing/2014/main" id="{C620C46B-7EEC-40BA-B377-600776741F47}"/>
+              </a:ext>
+            </a:extLst>
+          </p:cNvPr>
+          <p:cNvSpPr>
+            <a:spLocks noGrp="1"/>
+          </p:cNvSpPr>
+          <p:nvPr>
+            <p:ph idx="1"/>
+          </p:nvPr>
+        </p:nvSpPr>
+        <p:spPr/>
+        <p:txBody>
+          <a:bodyPr/>
+          <a:lstStyle/>
           <a:p>
             <a:pPr lvl="0"/>
             <a:r>
-              <a:rPr dirty="0" lang="en-US" smtClean="0"/>
-              <a:t>Graph 1</a:t>
-            </a:r>
-            <a:endParaRPr dirty="0" lang="cs-CZ"/>
-          </a:p>
-        </p:txBody>
-      </p:sp>
-      <p:sp xmlns:r="http://schemas.openxmlformats.org/officeDocument/2006/relationships">
-        <p:nvSpPr>
-          <p:cNvPr id="11" name="Nadpis 1"/>
-          <p:cNvSpPr>
-            <a:spLocks noGrp="1"/>
-          </p:cNvSpPr>
-          <p:nvPr>
-            <p:ph hasCustomPrompt="1" type="title"/>
-          </p:nvPr>
-        </p:nvSpPr>
-        <p:spPr>
-          <a:xfrm>
-            <a:off x="2576737" y="167682"/>
-            <a:ext cx="6552728" cy="909639"/>
-          </a:xfrm>
-        </p:spPr>
-        <p:txBody>
-          <a:bodyPr/>
-          <a:lstStyle>
-            <a:lvl1pPr>
-              <a:defRPr/>
-            </a:lvl1pPr>
-          </a:lstStyle>
-          <a:p>
-            <a:r>
-              <a:rPr dirty="0" lang="en-US" smtClean="0"/>
-              <a:t>Master Title</a:t>
-            </a:r>
-            <a:endParaRPr dirty="0" lang="cs-CZ"/>
-          </a:p>
-        </p:txBody>
-      </p:sp>
-      <p:sp xmlns:r="http://schemas.openxmlformats.org/officeDocument/2006/relationships">
-        <p:nvSpPr>
-          <p:cNvPr id="6" name="Text Placeholder 2"/>
-          <p:cNvSpPr>
-            <a:spLocks noGrp="1"/>
-          </p:cNvSpPr>
-          <p:nvPr>
-            <p:ph hasCustomPrompt="1" idx="15" sz="quarter" type="body"/>
-          </p:nvPr>
-        </p:nvSpPr>
-        <p:spPr>
-          <a:xfrm>
-            <a:off x="292099" y="1317625"/>
-            <a:ext cx="8837365" cy="369888"/>
-          </a:xfrm>
-        </p:spPr>
-        <p:txBody>
-          <a:bodyPr/>
-          <a:lstStyle>
-            <a:lvl1pPr indent="0" marL="0">
-              <a:buNone/>
-              <a:defRPr b="0" sz="1800" u="none">
-                <a:solidFill>
-                  <a:schemeClr val="tx1"/>
-                </a:solidFill>
-              </a:defRPr>
-            </a:lvl1pPr>
-          </a:lstStyle>
-          <a:p>
-            <a:pPr lvl="0"/>
-            <a:r>
-              <a:rPr dirty="0" lang="en-US" smtClean="0"/>
-              <a:t>Title 1</a:t>
-            </a:r>
-            <a:endParaRPr dirty="0" lang="en-US"/>
+              <a:rPr lang="en-US"/>
+              <a:t>Edit Master text styles</a:t>
+            </a:r>
+          </a:p>
+          <a:p>
+            <a:pPr lvl="1"/>
+            <a:r>
+              <a:rPr lang="en-US"/>
+              <a:t>Second level</a:t>
+            </a:r>
+          </a:p>
+          <a:p>
+            <a:pPr lvl="2"/>
+            <a:r>
+              <a:rPr lang="en-US"/>
+              <a:t>Third level</a:t>
+            </a:r>
+          </a:p>
+          <a:p>
+            <a:pPr lvl="3"/>
+            <a:r>
+              <a:rPr lang="en-US"/>
+              <a:t>Fourth level</a:t>
+            </a:r>
+          </a:p>
+          <a:p>
+            <a:pPr lvl="4"/>
+            <a:r>
+              <a:rPr lang="en-US"/>
+              <a:t>Fifth level</a:t>
+            </a:r>
+            <a:endParaRPr lang="sk-SK"/>
           </a:p>
         </p:txBody>
       </p:sp>
